--- a/doc/CookieClicker-Präsentation.pptx
+++ b/doc/CookieClicker-Präsentation.pptx
@@ -3371,7 +3371,56 @@
             <p:ph type="ctrTitle"/>
           </p:nvPr>
         </p:nvSpPr>
-        <p:spPr/>
+        <p:spPr>
+          <a:xfrm>
+            <a:off x="1524000" y="1122362"/>
+            <a:ext cx="9144000" cy="2831799"/>
+          </a:xfrm>
+        </p:spPr>
+        <p:txBody>
+          <a:bodyPr>
+            <a:noAutofit/>
+          </a:bodyPr>
+          <a:lstStyle/>
+          <a:p>
+            <a:br>
+              <a:rPr lang="de-CH" sz="7200" dirty="0"/>
+            </a:br>
+            <a:br>
+              <a:rPr lang="de-CH" sz="7200" dirty="0"/>
+            </a:br>
+            <a:br>
+              <a:rPr lang="de-CH" sz="7200" dirty="0"/>
+            </a:br>
+            <a:r>
+              <a:rPr lang="de-CH" sz="7200" dirty="0"/>
+              <a:t>Cookie Clicker 2.0</a:t>
+            </a:r>
+          </a:p>
+        </p:txBody>
+      </p:sp>
+      <p:sp>
+        <p:nvSpPr>
+          <p:cNvPr id="3" name="Untertitel 2">
+            <a:extLst>
+              <a:ext uri="{FF2B5EF4-FFF2-40B4-BE49-F238E27FC236}">
+                <a16:creationId xmlns:a16="http://schemas.microsoft.com/office/drawing/2014/main" id="{8487E2A0-6DBB-4644-B911-8A86C3A05270}"/>
+              </a:ext>
+            </a:extLst>
+          </p:cNvPr>
+          <p:cNvSpPr>
+            <a:spLocks noGrp="1"/>
+          </p:cNvSpPr>
+          <p:nvPr>
+            <p:ph type="subTitle" idx="1"/>
+          </p:nvPr>
+        </p:nvSpPr>
+        <p:spPr>
+          <a:xfrm>
+            <a:off x="1524000" y="3954161"/>
+            <a:ext cx="9144000" cy="1303638"/>
+          </a:xfrm>
+        </p:spPr>
         <p:txBody>
           <a:bodyPr>
             <a:normAutofit/>
@@ -3379,47 +3428,48 @@
           <a:lstStyle/>
           <a:p>
             <a:r>
-              <a:rPr lang="de-CH" sz="7200" dirty="0"/>
-              <a:t>Cookie Clicker 2.0</a:t>
-            </a:r>
-          </a:p>
-        </p:txBody>
-      </p:sp>
-      <p:sp>
-        <p:nvSpPr>
-          <p:cNvPr id="3" name="Untertitel 2">
-            <a:extLst>
-              <a:ext uri="{FF2B5EF4-FFF2-40B4-BE49-F238E27FC236}">
-                <a16:creationId xmlns:a16="http://schemas.microsoft.com/office/drawing/2014/main" id="{8487E2A0-6DBB-4644-B911-8A86C3A05270}"/>
-              </a:ext>
-            </a:extLst>
-          </p:cNvPr>
-          <p:cNvSpPr>
-            <a:spLocks noGrp="1"/>
-          </p:cNvSpPr>
-          <p:nvPr>
-            <p:ph type="subTitle" idx="1"/>
-          </p:nvPr>
-        </p:nvSpPr>
+              <a:rPr lang="de-CH" sz="2800" dirty="0"/>
+              <a:t>Leo Scherer</a:t>
+            </a:r>
+          </a:p>
+        </p:txBody>
+      </p:sp>
+      <p:pic>
+        <p:nvPicPr>
+          <p:cNvPr id="5" name="Grafik 4">
+            <a:extLst>
+              <a:ext uri="{FF2B5EF4-FFF2-40B4-BE49-F238E27FC236}">
+                <a16:creationId xmlns:a16="http://schemas.microsoft.com/office/drawing/2014/main" id="{87531EFA-DA1C-440B-B4A3-9C8725C43A67}"/>
+              </a:ext>
+            </a:extLst>
+          </p:cNvPr>
+          <p:cNvPicPr>
+            <a:picLocks noChangeAspect="1"/>
+          </p:cNvPicPr>
+          <p:nvPr/>
+        </p:nvPicPr>
+        <p:blipFill>
+          <a:blip r:embed="rId2">
+            <a:extLst>
+              <a:ext uri="{28A0092B-C50C-407E-A947-70E740481C1C}">
+                <a14:useLocalDpi xmlns:a14="http://schemas.microsoft.com/office/drawing/2010/main" val="0"/>
+              </a:ext>
+            </a:extLst>
+          </a:blip>
+          <a:stretch>
+            <a:fillRect/>
+          </a:stretch>
+        </p:blipFill>
         <p:spPr>
           <a:xfrm>
-            <a:off x="1524000" y="3800212"/>
-            <a:ext cx="9144000" cy="1457587"/>
+            <a:off x="4975377" y="199448"/>
+            <a:ext cx="2241245" cy="2241245"/>
           </a:xfrm>
+          <a:prstGeom prst="rect">
+            <a:avLst/>
+          </a:prstGeom>
         </p:spPr>
-        <p:txBody>
-          <a:bodyPr>
-            <a:normAutofit/>
-          </a:bodyPr>
-          <a:lstStyle/>
-          <a:p>
-            <a:r>
-              <a:rPr lang="de-CH" sz="2800" dirty="0"/>
-              <a:t>Leo Scherer</a:t>
-            </a:r>
-          </a:p>
-        </p:txBody>
-      </p:sp>
+      </p:pic>
     </p:spTree>
     <p:extLst>
       <p:ext uri="{BB962C8B-B14F-4D97-AF65-F5344CB8AC3E}">
@@ -3524,185 +3574,36 @@
           </a:p>
         </p:txBody>
       </p:sp>
-    </p:spTree>
-    <p:extLst>
-      <p:ext uri="{BB962C8B-B14F-4D97-AF65-F5344CB8AC3E}">
-        <p14:creationId xmlns:p14="http://schemas.microsoft.com/office/powerpoint/2010/main" val="1691049328"/>
-      </p:ext>
-    </p:extLst>
-  </p:cSld>
-  <p:clrMapOvr>
-    <a:masterClrMapping/>
-  </p:clrMapOvr>
-</p:sld>
-</file>
-
-<file path=ppt/slides/slide3.xml><?xml version="1.0" encoding="utf-8"?>
-<p:sld xmlns:a="http://schemas.openxmlformats.org/drawingml/2006/main" xmlns:r="http://schemas.openxmlformats.org/officeDocument/2006/relationships" xmlns:p="http://schemas.openxmlformats.org/presentationml/2006/main">
-  <p:cSld>
-    <p:spTree>
-      <p:nvGrpSpPr>
-        <p:cNvPr id="1" name=""/>
-        <p:cNvGrpSpPr/>
-        <p:nvPr/>
-      </p:nvGrpSpPr>
-      <p:grpSpPr>
-        <a:xfrm>
-          <a:off x="0" y="0"/>
-          <a:ext cx="0" cy="0"/>
-          <a:chOff x="0" y="0"/>
-          <a:chExt cx="0" cy="0"/>
-        </a:xfrm>
-      </p:grpSpPr>
-      <p:sp>
-        <p:nvSpPr>
-          <p:cNvPr id="2" name="Titel 1">
-            <a:extLst>
-              <a:ext uri="{FF2B5EF4-FFF2-40B4-BE49-F238E27FC236}">
-                <a16:creationId xmlns:a16="http://schemas.microsoft.com/office/drawing/2014/main" id="{08B42A6F-10A0-4E7A-89EE-BF41FEBA071E}"/>
-              </a:ext>
-            </a:extLst>
-          </p:cNvPr>
-          <p:cNvSpPr>
-            <a:spLocks noGrp="1"/>
-          </p:cNvSpPr>
-          <p:nvPr>
-            <p:ph type="title"/>
-          </p:nvPr>
-        </p:nvSpPr>
-        <p:spPr/>
-        <p:txBody>
-          <a:bodyPr/>
-          <a:lstStyle/>
-          <a:p>
-            <a:r>
-              <a:rPr lang="de-CH" dirty="0"/>
-              <a:t>Idee</a:t>
-            </a:r>
-          </a:p>
-        </p:txBody>
-      </p:sp>
-      <p:sp>
-        <p:nvSpPr>
-          <p:cNvPr id="3" name="Inhaltsplatzhalter 2">
-            <a:extLst>
-              <a:ext uri="{FF2B5EF4-FFF2-40B4-BE49-F238E27FC236}">
-                <a16:creationId xmlns:a16="http://schemas.microsoft.com/office/drawing/2014/main" id="{E35E11F0-6D6D-4692-B87B-D48BE70F946C}"/>
-              </a:ext>
-            </a:extLst>
-          </p:cNvPr>
-          <p:cNvSpPr>
-            <a:spLocks noGrp="1"/>
-          </p:cNvSpPr>
-          <p:nvPr>
-            <p:ph idx="1"/>
-          </p:nvPr>
-        </p:nvSpPr>
-        <p:spPr/>
-        <p:txBody>
-          <a:bodyPr/>
-          <a:lstStyle/>
-          <a:p>
-            <a:r>
-              <a:rPr lang="de-CH" dirty="0"/>
-              <a:t>Projekt </a:t>
-            </a:r>
-          </a:p>
-          <a:p>
-            <a:r>
-              <a:rPr lang="de-CH" dirty="0"/>
-              <a:t>Cookie Clicker als Desktopapplikation</a:t>
-            </a:r>
-          </a:p>
-          <a:p>
-            <a:endParaRPr lang="de-CH" dirty="0"/>
-          </a:p>
-        </p:txBody>
-      </p:sp>
-    </p:spTree>
-    <p:extLst>
-      <p:ext uri="{BB962C8B-B14F-4D97-AF65-F5344CB8AC3E}">
-        <p14:creationId xmlns:p14="http://schemas.microsoft.com/office/powerpoint/2010/main" val="1389433421"/>
-      </p:ext>
-    </p:extLst>
-  </p:cSld>
-  <p:clrMapOvr>
-    <a:masterClrMapping/>
-  </p:clrMapOvr>
-</p:sld>
-</file>
-
-<file path=ppt/slides/slide4.xml><?xml version="1.0" encoding="utf-8"?>
-<p:sld xmlns:a="http://schemas.openxmlformats.org/drawingml/2006/main" xmlns:r="http://schemas.openxmlformats.org/officeDocument/2006/relationships" xmlns:p="http://schemas.openxmlformats.org/presentationml/2006/main">
-  <p:cSld>
-    <p:spTree>
-      <p:nvGrpSpPr>
-        <p:cNvPr id="1" name=""/>
-        <p:cNvGrpSpPr/>
-        <p:nvPr/>
-      </p:nvGrpSpPr>
-      <p:grpSpPr>
-        <a:xfrm>
-          <a:off x="0" y="0"/>
-          <a:ext cx="0" cy="0"/>
-          <a:chOff x="0" y="0"/>
-          <a:chExt cx="0" cy="0"/>
-        </a:xfrm>
-      </p:grpSpPr>
-      <p:sp>
-        <p:nvSpPr>
-          <p:cNvPr id="2" name="Titel 1">
-            <a:extLst>
-              <a:ext uri="{FF2B5EF4-FFF2-40B4-BE49-F238E27FC236}">
-                <a16:creationId xmlns:a16="http://schemas.microsoft.com/office/drawing/2014/main" id="{3AA353AD-762A-4BD9-B84C-2237ACF4CD09}"/>
-              </a:ext>
-            </a:extLst>
-          </p:cNvPr>
-          <p:cNvSpPr>
-            <a:spLocks noGrp="1"/>
-          </p:cNvSpPr>
-          <p:nvPr>
-            <p:ph type="title"/>
-          </p:nvPr>
-        </p:nvSpPr>
-        <p:spPr/>
-        <p:txBody>
-          <a:bodyPr/>
-          <a:lstStyle/>
-          <a:p>
-            <a:r>
-              <a:rPr lang="de-CH" dirty="0"/>
-              <a:t>Zeitplanung</a:t>
-            </a:r>
-          </a:p>
-        </p:txBody>
-      </p:sp>
       <p:pic>
         <p:nvPicPr>
-          <p:cNvPr id="4" name="Inhaltsplatzhalter 3">
-            <a:extLst>
-              <a:ext uri="{FF2B5EF4-FFF2-40B4-BE49-F238E27FC236}">
-                <a16:creationId xmlns:a16="http://schemas.microsoft.com/office/drawing/2014/main" id="{D5A0F988-F8AB-4C8F-82DB-C1EECFC3BBFF}"/>
+          <p:cNvPr id="5" name="Grafik 4">
+            <a:extLst>
+              <a:ext uri="{FF2B5EF4-FFF2-40B4-BE49-F238E27FC236}">
+                <a16:creationId xmlns:a16="http://schemas.microsoft.com/office/drawing/2014/main" id="{DD75AAE4-E1D7-470F-A274-7313F9F6BA5D}"/>
               </a:ext>
             </a:extLst>
           </p:cNvPr>
           <p:cNvPicPr>
-            <a:picLocks noGrp="1" noChangeAspect="1"/>
+            <a:picLocks noChangeAspect="1"/>
           </p:cNvPicPr>
-          <p:nvPr>
-            <p:ph idx="1"/>
-          </p:nvPr>
+          <p:nvPr/>
         </p:nvPicPr>
         <p:blipFill>
-          <a:blip r:embed="rId2"/>
+          <a:blip r:embed="rId2">
+            <a:extLst>
+              <a:ext uri="{28A0092B-C50C-407E-A947-70E740481C1C}">
+                <a14:useLocalDpi xmlns:a14="http://schemas.microsoft.com/office/drawing/2010/main" val="0"/>
+              </a:ext>
+            </a:extLst>
+          </a:blip>
           <a:stretch>
             <a:fillRect/>
           </a:stretch>
         </p:blipFill>
         <p:spPr>
           <a:xfrm>
-            <a:off x="418143" y="1380931"/>
-            <a:ext cx="11355714" cy="5477069"/>
+            <a:off x="10083959" y="681037"/>
+            <a:ext cx="1269841" cy="1269841"/>
           </a:xfrm>
           <a:prstGeom prst="rect">
             <a:avLst/>
@@ -3712,244 +3613,7 @@
     </p:spTree>
     <p:extLst>
       <p:ext uri="{BB962C8B-B14F-4D97-AF65-F5344CB8AC3E}">
-        <p14:creationId xmlns:p14="http://schemas.microsoft.com/office/powerpoint/2010/main" val="3455149873"/>
-      </p:ext>
-    </p:extLst>
-  </p:cSld>
-  <p:clrMapOvr>
-    <a:masterClrMapping/>
-  </p:clrMapOvr>
-</p:sld>
-</file>
-
-<file path=ppt/slides/slide5.xml><?xml version="1.0" encoding="utf-8"?>
-<p:sld xmlns:a="http://schemas.openxmlformats.org/drawingml/2006/main" xmlns:r="http://schemas.openxmlformats.org/officeDocument/2006/relationships" xmlns:p="http://schemas.openxmlformats.org/presentationml/2006/main">
-  <p:cSld>
-    <p:spTree>
-      <p:nvGrpSpPr>
-        <p:cNvPr id="1" name=""/>
-        <p:cNvGrpSpPr/>
-        <p:nvPr/>
-      </p:nvGrpSpPr>
-      <p:grpSpPr>
-        <a:xfrm>
-          <a:off x="0" y="0"/>
-          <a:ext cx="0" cy="0"/>
-          <a:chOff x="0" y="0"/>
-          <a:chExt cx="0" cy="0"/>
-        </a:xfrm>
-      </p:grpSpPr>
-      <p:sp>
-        <p:nvSpPr>
-          <p:cNvPr id="2" name="Titel 1">
-            <a:extLst>
-              <a:ext uri="{FF2B5EF4-FFF2-40B4-BE49-F238E27FC236}">
-                <a16:creationId xmlns:a16="http://schemas.microsoft.com/office/drawing/2014/main" id="{A7788771-B6B1-40DD-AA38-82D162707587}"/>
-              </a:ext>
-            </a:extLst>
-          </p:cNvPr>
-          <p:cNvSpPr>
-            <a:spLocks noGrp="1"/>
-          </p:cNvSpPr>
-          <p:nvPr>
-            <p:ph type="title"/>
-          </p:nvPr>
-        </p:nvSpPr>
-        <p:spPr/>
-        <p:txBody>
-          <a:bodyPr/>
-          <a:lstStyle/>
-          <a:p>
-            <a:r>
-              <a:rPr lang="de-CH" dirty="0"/>
-              <a:t>Schwierigkeiten</a:t>
-            </a:r>
-          </a:p>
-        </p:txBody>
-      </p:sp>
-      <p:sp>
-        <p:nvSpPr>
-          <p:cNvPr id="3" name="Inhaltsplatzhalter 2">
-            <a:extLst>
-              <a:ext uri="{FF2B5EF4-FFF2-40B4-BE49-F238E27FC236}">
-                <a16:creationId xmlns:a16="http://schemas.microsoft.com/office/drawing/2014/main" id="{2C3D12E6-DBF6-48A7-A442-7459A42721C0}"/>
-              </a:ext>
-            </a:extLst>
-          </p:cNvPr>
-          <p:cNvSpPr>
-            <a:spLocks noGrp="1"/>
-          </p:cNvSpPr>
-          <p:nvPr>
-            <p:ph idx="1"/>
-          </p:nvPr>
-        </p:nvSpPr>
-        <p:spPr/>
-        <p:txBody>
-          <a:bodyPr/>
-          <a:lstStyle/>
-          <a:p>
-            <a:r>
-              <a:rPr lang="de-CH" dirty="0"/>
-              <a:t>Einstieg in JavaFX</a:t>
-            </a:r>
-          </a:p>
-          <a:p>
-            <a:r>
-              <a:rPr lang="de-CH" dirty="0"/>
-              <a:t>Verbindung zu Datenbanken</a:t>
-            </a:r>
-          </a:p>
-          <a:p>
-            <a:r>
-              <a:rPr lang="de-CH" dirty="0"/>
-              <a:t>«Responsive</a:t>
-            </a:r>
-            <a:r>
-              <a:rPr lang="de-CH"/>
-              <a:t>» Design</a:t>
-            </a:r>
-            <a:endParaRPr lang="de-CH" dirty="0"/>
-          </a:p>
-          <a:p>
-            <a:endParaRPr lang="de-CH" dirty="0"/>
-          </a:p>
-        </p:txBody>
-      </p:sp>
-    </p:spTree>
-    <p:extLst>
-      <p:ext uri="{BB962C8B-B14F-4D97-AF65-F5344CB8AC3E}">
-        <p14:creationId xmlns:p14="http://schemas.microsoft.com/office/powerpoint/2010/main" val="847053354"/>
-      </p:ext>
-    </p:extLst>
-  </p:cSld>
-  <p:clrMapOvr>
-    <a:masterClrMapping/>
-  </p:clrMapOvr>
-</p:sld>
-</file>
-
-<file path=ppt/slides/slide6.xml><?xml version="1.0" encoding="utf-8"?>
-<p:sld xmlns:a="http://schemas.openxmlformats.org/drawingml/2006/main" xmlns:r="http://schemas.openxmlformats.org/officeDocument/2006/relationships" xmlns:p="http://schemas.openxmlformats.org/presentationml/2006/main">
-  <p:cSld>
-    <p:spTree>
-      <p:nvGrpSpPr>
-        <p:cNvPr id="1" name=""/>
-        <p:cNvGrpSpPr/>
-        <p:nvPr/>
-      </p:nvGrpSpPr>
-      <p:grpSpPr>
-        <a:xfrm>
-          <a:off x="0" y="0"/>
-          <a:ext cx="0" cy="0"/>
-          <a:chOff x="0" y="0"/>
-          <a:chExt cx="0" cy="0"/>
-        </a:xfrm>
-      </p:grpSpPr>
-      <p:sp>
-        <p:nvSpPr>
-          <p:cNvPr id="2" name="Titel 1">
-            <a:extLst>
-              <a:ext uri="{FF2B5EF4-FFF2-40B4-BE49-F238E27FC236}">
-                <a16:creationId xmlns:a16="http://schemas.microsoft.com/office/drawing/2014/main" id="{19DF62CE-A56D-4B49-AFB2-749D5D45AD20}"/>
-              </a:ext>
-            </a:extLst>
-          </p:cNvPr>
-          <p:cNvSpPr>
-            <a:spLocks noGrp="1"/>
-          </p:cNvSpPr>
-          <p:nvPr>
-            <p:ph type="title"/>
-          </p:nvPr>
-        </p:nvSpPr>
-        <p:spPr/>
-        <p:txBody>
-          <a:bodyPr/>
-          <a:lstStyle/>
-          <a:p>
-            <a:r>
-              <a:rPr lang="de-CH" dirty="0"/>
-              <a:t>Erfolge</a:t>
-            </a:r>
-          </a:p>
-        </p:txBody>
-      </p:sp>
-      <p:sp>
-        <p:nvSpPr>
-          <p:cNvPr id="6" name="Inhaltsplatzhalter 5">
-            <a:extLst>
-              <a:ext uri="{FF2B5EF4-FFF2-40B4-BE49-F238E27FC236}">
-                <a16:creationId xmlns:a16="http://schemas.microsoft.com/office/drawing/2014/main" id="{AF1B24E4-6BEB-45E4-AE34-0676672EDD14}"/>
-              </a:ext>
-            </a:extLst>
-          </p:cNvPr>
-          <p:cNvSpPr>
-            <a:spLocks noGrp="1"/>
-          </p:cNvSpPr>
-          <p:nvPr>
-            <p:ph idx="1"/>
-          </p:nvPr>
-        </p:nvSpPr>
-        <p:spPr/>
-        <p:txBody>
-          <a:bodyPr/>
-          <a:lstStyle/>
-          <a:p>
-            <a:r>
-              <a:rPr lang="de-CH" dirty="0"/>
-              <a:t>Speicherung des Spielstands</a:t>
-            </a:r>
-          </a:p>
-          <a:p>
-            <a:r>
-              <a:rPr lang="de-CH" dirty="0"/>
-              <a:t>Nutzung der Konsole </a:t>
-            </a:r>
-          </a:p>
-          <a:p>
-            <a:endParaRPr lang="de-CH" dirty="0"/>
-          </a:p>
-          <a:p>
-            <a:endParaRPr lang="de-CH" dirty="0"/>
-          </a:p>
-          <a:p>
-            <a:endParaRPr lang="de-CH" dirty="0"/>
-          </a:p>
-        </p:txBody>
-      </p:sp>
-      <p:pic>
-        <p:nvPicPr>
-          <p:cNvPr id="10" name="Inhaltsplatzhalter 3">
-            <a:extLst>
-              <a:ext uri="{FF2B5EF4-FFF2-40B4-BE49-F238E27FC236}">
-                <a16:creationId xmlns:a16="http://schemas.microsoft.com/office/drawing/2014/main" id="{27551576-69F4-4206-84FD-94CFADCBB341}"/>
-              </a:ext>
-            </a:extLst>
-          </p:cNvPr>
-          <p:cNvPicPr>
-            <a:picLocks noChangeAspect="1"/>
-          </p:cNvPicPr>
-          <p:nvPr/>
-        </p:nvPicPr>
-        <p:blipFill>
-          <a:blip r:embed="rId2"/>
-          <a:stretch>
-            <a:fillRect/>
-          </a:stretch>
-        </p:blipFill>
-        <p:spPr>
-          <a:xfrm>
-            <a:off x="5775622" y="2225827"/>
-            <a:ext cx="4563112" cy="2162477"/>
-          </a:xfrm>
-          <a:prstGeom prst="rect">
-            <a:avLst/>
-          </a:prstGeom>
-        </p:spPr>
-      </p:pic>
-    </p:spTree>
-    <p:extLst>
-      <p:ext uri="{BB962C8B-B14F-4D97-AF65-F5344CB8AC3E}">
-        <p14:creationId xmlns:p14="http://schemas.microsoft.com/office/powerpoint/2010/main" val="728325443"/>
+        <p14:creationId xmlns:p14="http://schemas.microsoft.com/office/powerpoint/2010/main" val="1691049328"/>
       </p:ext>
     </p:extLst>
   </p:cSld>
@@ -3990,7 +3654,7 @@
                                           </p:stCondLst>
                                         </p:cTn>
                                         <p:tgtEl>
-                                          <p:spTgt spid="6">
+                                          <p:spTgt spid="3">
                                             <p:txEl>
                                               <p:pRg st="0" end="0"/>
                                             </p:txEl>
@@ -4039,9 +3703,107 @@
                                           </p:stCondLst>
                                         </p:cTn>
                                         <p:tgtEl>
-                                          <p:spTgt spid="6">
+                                          <p:spTgt spid="3">
                                             <p:txEl>
                                               <p:pRg st="1" end="1"/>
+                                            </p:txEl>
+                                          </p:spTgt>
+                                        </p:tgtEl>
+                                        <p:attrNameLst>
+                                          <p:attrName>style.visibility</p:attrName>
+                                        </p:attrNameLst>
+                                      </p:cBhvr>
+                                      <p:to>
+                                        <p:strVal val="visible"/>
+                                      </p:to>
+                                    </p:set>
+                                  </p:childTnLst>
+                                </p:cTn>
+                              </p:par>
+                            </p:childTnLst>
+                          </p:cTn>
+                        </p:par>
+                      </p:childTnLst>
+                    </p:cTn>
+                  </p:par>
+                  <p:par>
+                    <p:cTn id="11" fill="hold">
+                      <p:stCondLst>
+                        <p:cond delay="indefinite"/>
+                      </p:stCondLst>
+                      <p:childTnLst>
+                        <p:par>
+                          <p:cTn id="12" fill="hold">
+                            <p:stCondLst>
+                              <p:cond delay="0"/>
+                            </p:stCondLst>
+                            <p:childTnLst>
+                              <p:par>
+                                <p:cTn id="13" presetID="1" presetClass="entr" presetSubtype="0" fill="hold" grpId="0" nodeType="clickEffect">
+                                  <p:stCondLst>
+                                    <p:cond delay="0"/>
+                                  </p:stCondLst>
+                                  <p:childTnLst>
+                                    <p:set>
+                                      <p:cBhvr>
+                                        <p:cTn id="14" dur="1" fill="hold">
+                                          <p:stCondLst>
+                                            <p:cond delay="0"/>
+                                          </p:stCondLst>
+                                        </p:cTn>
+                                        <p:tgtEl>
+                                          <p:spTgt spid="3">
+                                            <p:txEl>
+                                              <p:pRg st="2" end="2"/>
+                                            </p:txEl>
+                                          </p:spTgt>
+                                        </p:tgtEl>
+                                        <p:attrNameLst>
+                                          <p:attrName>style.visibility</p:attrName>
+                                        </p:attrNameLst>
+                                      </p:cBhvr>
+                                      <p:to>
+                                        <p:strVal val="visible"/>
+                                      </p:to>
+                                    </p:set>
+                                  </p:childTnLst>
+                                </p:cTn>
+                              </p:par>
+                            </p:childTnLst>
+                          </p:cTn>
+                        </p:par>
+                      </p:childTnLst>
+                    </p:cTn>
+                  </p:par>
+                  <p:par>
+                    <p:cTn id="15" fill="hold">
+                      <p:stCondLst>
+                        <p:cond delay="indefinite"/>
+                      </p:stCondLst>
+                      <p:childTnLst>
+                        <p:par>
+                          <p:cTn id="16" fill="hold">
+                            <p:stCondLst>
+                              <p:cond delay="0"/>
+                            </p:stCondLst>
+                            <p:childTnLst>
+                              <p:par>
+                                <p:cTn id="17" presetID="1" presetClass="entr" presetSubtype="0" fill="hold" grpId="0" nodeType="clickEffect">
+                                  <p:stCondLst>
+                                    <p:cond delay="0"/>
+                                  </p:stCondLst>
+                                  <p:childTnLst>
+                                    <p:set>
+                                      <p:cBhvr>
+                                        <p:cTn id="18" dur="1" fill="hold">
+                                          <p:stCondLst>
+                                            <p:cond delay="0"/>
+                                          </p:stCondLst>
+                                        </p:cTn>
+                                        <p:tgtEl>
+                                          <p:spTgt spid="3">
+                                            <p:txEl>
+                                              <p:pRg st="3" end="3"/>
                                             </p:txEl>
                                           </p:spTgt>
                                         </p:tgtEl>
@@ -4084,9 +3846,950 @@
       </p:par>
     </p:tnLst>
     <p:bldLst>
-      <p:bldP spid="6" grpId="0" uiExpand="1" build="p"/>
+      <p:bldP spid="3" grpId="0" build="p"/>
     </p:bldLst>
   </p:timing>
+</p:sld>
+</file>
+
+<file path=ppt/slides/slide3.xml><?xml version="1.0" encoding="utf-8"?>
+<p:sld xmlns:a="http://schemas.openxmlformats.org/drawingml/2006/main" xmlns:r="http://schemas.openxmlformats.org/officeDocument/2006/relationships" xmlns:p="http://schemas.openxmlformats.org/presentationml/2006/main">
+  <p:cSld>
+    <p:spTree>
+      <p:nvGrpSpPr>
+        <p:cNvPr id="1" name=""/>
+        <p:cNvGrpSpPr/>
+        <p:nvPr/>
+      </p:nvGrpSpPr>
+      <p:grpSpPr>
+        <a:xfrm>
+          <a:off x="0" y="0"/>
+          <a:ext cx="0" cy="0"/>
+          <a:chOff x="0" y="0"/>
+          <a:chExt cx="0" cy="0"/>
+        </a:xfrm>
+      </p:grpSpPr>
+      <p:sp>
+        <p:nvSpPr>
+          <p:cNvPr id="2" name="Titel 1">
+            <a:extLst>
+              <a:ext uri="{FF2B5EF4-FFF2-40B4-BE49-F238E27FC236}">
+                <a16:creationId xmlns:a16="http://schemas.microsoft.com/office/drawing/2014/main" id="{08B42A6F-10A0-4E7A-89EE-BF41FEBA071E}"/>
+              </a:ext>
+            </a:extLst>
+          </p:cNvPr>
+          <p:cNvSpPr>
+            <a:spLocks noGrp="1"/>
+          </p:cNvSpPr>
+          <p:nvPr>
+            <p:ph type="title"/>
+          </p:nvPr>
+        </p:nvSpPr>
+        <p:spPr/>
+        <p:txBody>
+          <a:bodyPr/>
+          <a:lstStyle/>
+          <a:p>
+            <a:r>
+              <a:rPr lang="de-CH" dirty="0"/>
+              <a:t>Idee</a:t>
+            </a:r>
+          </a:p>
+        </p:txBody>
+      </p:sp>
+      <p:sp>
+        <p:nvSpPr>
+          <p:cNvPr id="3" name="Inhaltsplatzhalter 2">
+            <a:extLst>
+              <a:ext uri="{FF2B5EF4-FFF2-40B4-BE49-F238E27FC236}">
+                <a16:creationId xmlns:a16="http://schemas.microsoft.com/office/drawing/2014/main" id="{E35E11F0-6D6D-4692-B87B-D48BE70F946C}"/>
+              </a:ext>
+            </a:extLst>
+          </p:cNvPr>
+          <p:cNvSpPr>
+            <a:spLocks noGrp="1"/>
+          </p:cNvSpPr>
+          <p:nvPr>
+            <p:ph idx="1"/>
+          </p:nvPr>
+        </p:nvSpPr>
+        <p:spPr/>
+        <p:txBody>
+          <a:bodyPr/>
+          <a:lstStyle/>
+          <a:p>
+            <a:r>
+              <a:rPr lang="de-CH" dirty="0"/>
+              <a:t>Desktopapplikation</a:t>
+            </a:r>
+          </a:p>
+          <a:p>
+            <a:r>
+              <a:rPr lang="de-CH" dirty="0"/>
+              <a:t>Java</a:t>
+            </a:r>
+          </a:p>
+          <a:p>
+            <a:r>
+              <a:rPr lang="de-CH" dirty="0"/>
+              <a:t>Automatische Speicherung</a:t>
+            </a:r>
+          </a:p>
+          <a:p>
+            <a:endParaRPr lang="de-CH" dirty="0"/>
+          </a:p>
+          <a:p>
+            <a:endParaRPr lang="de-CH" dirty="0"/>
+          </a:p>
+        </p:txBody>
+      </p:sp>
+      <p:pic>
+        <p:nvPicPr>
+          <p:cNvPr id="4" name="Grafik 3">
+            <a:extLst>
+              <a:ext uri="{FF2B5EF4-FFF2-40B4-BE49-F238E27FC236}">
+                <a16:creationId xmlns:a16="http://schemas.microsoft.com/office/drawing/2014/main" id="{FFA1455E-AAEC-4DAB-8E91-0DF39F026439}"/>
+              </a:ext>
+            </a:extLst>
+          </p:cNvPr>
+          <p:cNvPicPr>
+            <a:picLocks noChangeAspect="1"/>
+          </p:cNvPicPr>
+          <p:nvPr/>
+        </p:nvPicPr>
+        <p:blipFill>
+          <a:blip r:embed="rId2">
+            <a:extLst>
+              <a:ext uri="{28A0092B-C50C-407E-A947-70E740481C1C}">
+                <a14:useLocalDpi xmlns:a14="http://schemas.microsoft.com/office/drawing/2010/main" val="0"/>
+              </a:ext>
+            </a:extLst>
+          </a:blip>
+          <a:stretch>
+            <a:fillRect/>
+          </a:stretch>
+        </p:blipFill>
+        <p:spPr>
+          <a:xfrm>
+            <a:off x="10083959" y="681037"/>
+            <a:ext cx="1269841" cy="1269841"/>
+          </a:xfrm>
+          <a:prstGeom prst="rect">
+            <a:avLst/>
+          </a:prstGeom>
+        </p:spPr>
+      </p:pic>
+    </p:spTree>
+    <p:extLst>
+      <p:ext uri="{BB962C8B-B14F-4D97-AF65-F5344CB8AC3E}">
+        <p14:creationId xmlns:p14="http://schemas.microsoft.com/office/powerpoint/2010/main" val="1389433421"/>
+      </p:ext>
+    </p:extLst>
+  </p:cSld>
+  <p:clrMapOvr>
+    <a:masterClrMapping/>
+  </p:clrMapOvr>
+  <p:timing>
+    <p:tnLst>
+      <p:par>
+        <p:cTn id="1" dur="indefinite" restart="never" nodeType="tmRoot">
+          <p:childTnLst>
+            <p:seq concurrent="1" nextAc="seek">
+              <p:cTn id="2" dur="indefinite" nodeType="mainSeq">
+                <p:childTnLst>
+                  <p:par>
+                    <p:cTn id="3" fill="hold">
+                      <p:stCondLst>
+                        <p:cond delay="indefinite"/>
+                      </p:stCondLst>
+                      <p:childTnLst>
+                        <p:par>
+                          <p:cTn id="4" fill="hold">
+                            <p:stCondLst>
+                              <p:cond delay="0"/>
+                            </p:stCondLst>
+                            <p:childTnLst>
+                              <p:par>
+                                <p:cTn id="5" presetID="1" presetClass="entr" presetSubtype="0" fill="hold" grpId="0" nodeType="clickEffect">
+                                  <p:stCondLst>
+                                    <p:cond delay="0"/>
+                                  </p:stCondLst>
+                                  <p:childTnLst>
+                                    <p:set>
+                                      <p:cBhvr>
+                                        <p:cTn id="6" dur="1" fill="hold">
+                                          <p:stCondLst>
+                                            <p:cond delay="0"/>
+                                          </p:stCondLst>
+                                        </p:cTn>
+                                        <p:tgtEl>
+                                          <p:spTgt spid="3">
+                                            <p:txEl>
+                                              <p:pRg st="0" end="0"/>
+                                            </p:txEl>
+                                          </p:spTgt>
+                                        </p:tgtEl>
+                                        <p:attrNameLst>
+                                          <p:attrName>style.visibility</p:attrName>
+                                        </p:attrNameLst>
+                                      </p:cBhvr>
+                                      <p:to>
+                                        <p:strVal val="visible"/>
+                                      </p:to>
+                                    </p:set>
+                                  </p:childTnLst>
+                                </p:cTn>
+                              </p:par>
+                            </p:childTnLst>
+                          </p:cTn>
+                        </p:par>
+                      </p:childTnLst>
+                    </p:cTn>
+                  </p:par>
+                  <p:par>
+                    <p:cTn id="7" fill="hold">
+                      <p:stCondLst>
+                        <p:cond delay="indefinite"/>
+                      </p:stCondLst>
+                      <p:childTnLst>
+                        <p:par>
+                          <p:cTn id="8" fill="hold">
+                            <p:stCondLst>
+                              <p:cond delay="0"/>
+                            </p:stCondLst>
+                            <p:childTnLst>
+                              <p:par>
+                                <p:cTn id="9" presetID="1" presetClass="entr" presetSubtype="0" fill="hold" grpId="0" nodeType="clickEffect">
+                                  <p:stCondLst>
+                                    <p:cond delay="0"/>
+                                  </p:stCondLst>
+                                  <p:childTnLst>
+                                    <p:set>
+                                      <p:cBhvr>
+                                        <p:cTn id="10" dur="1" fill="hold">
+                                          <p:stCondLst>
+                                            <p:cond delay="0"/>
+                                          </p:stCondLst>
+                                        </p:cTn>
+                                        <p:tgtEl>
+                                          <p:spTgt spid="3">
+                                            <p:txEl>
+                                              <p:pRg st="1" end="1"/>
+                                            </p:txEl>
+                                          </p:spTgt>
+                                        </p:tgtEl>
+                                        <p:attrNameLst>
+                                          <p:attrName>style.visibility</p:attrName>
+                                        </p:attrNameLst>
+                                      </p:cBhvr>
+                                      <p:to>
+                                        <p:strVal val="visible"/>
+                                      </p:to>
+                                    </p:set>
+                                  </p:childTnLst>
+                                </p:cTn>
+                              </p:par>
+                            </p:childTnLst>
+                          </p:cTn>
+                        </p:par>
+                      </p:childTnLst>
+                    </p:cTn>
+                  </p:par>
+                  <p:par>
+                    <p:cTn id="11" fill="hold">
+                      <p:stCondLst>
+                        <p:cond delay="indefinite"/>
+                      </p:stCondLst>
+                      <p:childTnLst>
+                        <p:par>
+                          <p:cTn id="12" fill="hold">
+                            <p:stCondLst>
+                              <p:cond delay="0"/>
+                            </p:stCondLst>
+                            <p:childTnLst>
+                              <p:par>
+                                <p:cTn id="13" presetID="1" presetClass="entr" presetSubtype="0" fill="hold" grpId="0" nodeType="clickEffect">
+                                  <p:stCondLst>
+                                    <p:cond delay="0"/>
+                                  </p:stCondLst>
+                                  <p:childTnLst>
+                                    <p:set>
+                                      <p:cBhvr>
+                                        <p:cTn id="14" dur="1" fill="hold">
+                                          <p:stCondLst>
+                                            <p:cond delay="0"/>
+                                          </p:stCondLst>
+                                        </p:cTn>
+                                        <p:tgtEl>
+                                          <p:spTgt spid="3">
+                                            <p:txEl>
+                                              <p:pRg st="2" end="2"/>
+                                            </p:txEl>
+                                          </p:spTgt>
+                                        </p:tgtEl>
+                                        <p:attrNameLst>
+                                          <p:attrName>style.visibility</p:attrName>
+                                        </p:attrNameLst>
+                                      </p:cBhvr>
+                                      <p:to>
+                                        <p:strVal val="visible"/>
+                                      </p:to>
+                                    </p:set>
+                                  </p:childTnLst>
+                                </p:cTn>
+                              </p:par>
+                            </p:childTnLst>
+                          </p:cTn>
+                        </p:par>
+                      </p:childTnLst>
+                    </p:cTn>
+                  </p:par>
+                </p:childTnLst>
+              </p:cTn>
+              <p:prevCondLst>
+                <p:cond evt="onPrev" delay="0">
+                  <p:tgtEl>
+                    <p:sldTgt/>
+                  </p:tgtEl>
+                </p:cond>
+              </p:prevCondLst>
+              <p:nextCondLst>
+                <p:cond evt="onNext" delay="0">
+                  <p:tgtEl>
+                    <p:sldTgt/>
+                  </p:tgtEl>
+                </p:cond>
+              </p:nextCondLst>
+            </p:seq>
+          </p:childTnLst>
+        </p:cTn>
+      </p:par>
+    </p:tnLst>
+    <p:bldLst>
+      <p:bldP spid="3" grpId="0" build="p"/>
+    </p:bldLst>
+  </p:timing>
+</p:sld>
+</file>
+
+<file path=ppt/slides/slide4.xml><?xml version="1.0" encoding="utf-8"?>
+<p:sld xmlns:a="http://schemas.openxmlformats.org/drawingml/2006/main" xmlns:r="http://schemas.openxmlformats.org/officeDocument/2006/relationships" xmlns:p="http://schemas.openxmlformats.org/presentationml/2006/main">
+  <p:cSld>
+    <p:spTree>
+      <p:nvGrpSpPr>
+        <p:cNvPr id="1" name=""/>
+        <p:cNvGrpSpPr/>
+        <p:nvPr/>
+      </p:nvGrpSpPr>
+      <p:grpSpPr>
+        <a:xfrm>
+          <a:off x="0" y="0"/>
+          <a:ext cx="0" cy="0"/>
+          <a:chOff x="0" y="0"/>
+          <a:chExt cx="0" cy="0"/>
+        </a:xfrm>
+      </p:grpSpPr>
+      <p:sp>
+        <p:nvSpPr>
+          <p:cNvPr id="2" name="Titel 1">
+            <a:extLst>
+              <a:ext uri="{FF2B5EF4-FFF2-40B4-BE49-F238E27FC236}">
+                <a16:creationId xmlns:a16="http://schemas.microsoft.com/office/drawing/2014/main" id="{3AA353AD-762A-4BD9-B84C-2237ACF4CD09}"/>
+              </a:ext>
+            </a:extLst>
+          </p:cNvPr>
+          <p:cNvSpPr>
+            <a:spLocks noGrp="1"/>
+          </p:cNvSpPr>
+          <p:nvPr>
+            <p:ph type="title"/>
+          </p:nvPr>
+        </p:nvSpPr>
+        <p:spPr/>
+        <p:txBody>
+          <a:bodyPr/>
+          <a:lstStyle/>
+          <a:p>
+            <a:r>
+              <a:rPr lang="de-CH" dirty="0"/>
+              <a:t>Zeitplanung</a:t>
+            </a:r>
+          </a:p>
+        </p:txBody>
+      </p:sp>
+      <p:pic>
+        <p:nvPicPr>
+          <p:cNvPr id="4" name="Inhaltsplatzhalter 3">
+            <a:extLst>
+              <a:ext uri="{FF2B5EF4-FFF2-40B4-BE49-F238E27FC236}">
+                <a16:creationId xmlns:a16="http://schemas.microsoft.com/office/drawing/2014/main" id="{D5A0F988-F8AB-4C8F-82DB-C1EECFC3BBFF}"/>
+              </a:ext>
+            </a:extLst>
+          </p:cNvPr>
+          <p:cNvPicPr>
+            <a:picLocks noGrp="1" noChangeAspect="1"/>
+          </p:cNvPicPr>
+          <p:nvPr>
+            <p:ph idx="1"/>
+          </p:nvPr>
+        </p:nvPicPr>
+        <p:blipFill>
+          <a:blip r:embed="rId2"/>
+          <a:stretch>
+            <a:fillRect/>
+          </a:stretch>
+        </p:blipFill>
+        <p:spPr>
+          <a:xfrm>
+            <a:off x="418143" y="1380931"/>
+            <a:ext cx="11355714" cy="5477069"/>
+          </a:xfrm>
+          <a:prstGeom prst="rect">
+            <a:avLst/>
+          </a:prstGeom>
+        </p:spPr>
+      </p:pic>
+      <p:pic>
+        <p:nvPicPr>
+          <p:cNvPr id="5" name="Grafik 4">
+            <a:extLst>
+              <a:ext uri="{FF2B5EF4-FFF2-40B4-BE49-F238E27FC236}">
+                <a16:creationId xmlns:a16="http://schemas.microsoft.com/office/drawing/2014/main" id="{2155D871-0DF8-42A5-BFED-3764C94336EC}"/>
+              </a:ext>
+            </a:extLst>
+          </p:cNvPr>
+          <p:cNvPicPr>
+            <a:picLocks noChangeAspect="1"/>
+          </p:cNvPicPr>
+          <p:nvPr/>
+        </p:nvPicPr>
+        <p:blipFill>
+          <a:blip r:embed="rId3">
+            <a:extLst>
+              <a:ext uri="{28A0092B-C50C-407E-A947-70E740481C1C}">
+                <a14:useLocalDpi xmlns:a14="http://schemas.microsoft.com/office/drawing/2010/main" val="0"/>
+              </a:ext>
+            </a:extLst>
+          </a:blip>
+          <a:stretch>
+            <a:fillRect/>
+          </a:stretch>
+        </p:blipFill>
+        <p:spPr>
+          <a:xfrm>
+            <a:off x="10083959" y="681037"/>
+            <a:ext cx="1269841" cy="1269841"/>
+          </a:xfrm>
+          <a:prstGeom prst="rect">
+            <a:avLst/>
+          </a:prstGeom>
+        </p:spPr>
+      </p:pic>
+    </p:spTree>
+    <p:extLst>
+      <p:ext uri="{BB962C8B-B14F-4D97-AF65-F5344CB8AC3E}">
+        <p14:creationId xmlns:p14="http://schemas.microsoft.com/office/powerpoint/2010/main" val="3455149873"/>
+      </p:ext>
+    </p:extLst>
+  </p:cSld>
+  <p:clrMapOvr>
+    <a:masterClrMapping/>
+  </p:clrMapOvr>
+</p:sld>
+</file>
+
+<file path=ppt/slides/slide5.xml><?xml version="1.0" encoding="utf-8"?>
+<p:sld xmlns:a="http://schemas.openxmlformats.org/drawingml/2006/main" xmlns:r="http://schemas.openxmlformats.org/officeDocument/2006/relationships" xmlns:p="http://schemas.openxmlformats.org/presentationml/2006/main">
+  <p:cSld>
+    <p:spTree>
+      <p:nvGrpSpPr>
+        <p:cNvPr id="1" name=""/>
+        <p:cNvGrpSpPr/>
+        <p:nvPr/>
+      </p:nvGrpSpPr>
+      <p:grpSpPr>
+        <a:xfrm>
+          <a:off x="0" y="0"/>
+          <a:ext cx="0" cy="0"/>
+          <a:chOff x="0" y="0"/>
+          <a:chExt cx="0" cy="0"/>
+        </a:xfrm>
+      </p:grpSpPr>
+      <p:sp>
+        <p:nvSpPr>
+          <p:cNvPr id="2" name="Titel 1">
+            <a:extLst>
+              <a:ext uri="{FF2B5EF4-FFF2-40B4-BE49-F238E27FC236}">
+                <a16:creationId xmlns:a16="http://schemas.microsoft.com/office/drawing/2014/main" id="{A7788771-B6B1-40DD-AA38-82D162707587}"/>
+              </a:ext>
+            </a:extLst>
+          </p:cNvPr>
+          <p:cNvSpPr>
+            <a:spLocks noGrp="1"/>
+          </p:cNvSpPr>
+          <p:nvPr>
+            <p:ph type="title"/>
+          </p:nvPr>
+        </p:nvSpPr>
+        <p:spPr/>
+        <p:txBody>
+          <a:bodyPr/>
+          <a:lstStyle/>
+          <a:p>
+            <a:r>
+              <a:rPr lang="de-CH" dirty="0"/>
+              <a:t>Schwierigkeiten</a:t>
+            </a:r>
+          </a:p>
+        </p:txBody>
+      </p:sp>
+      <p:sp>
+        <p:nvSpPr>
+          <p:cNvPr id="3" name="Inhaltsplatzhalter 2">
+            <a:extLst>
+              <a:ext uri="{FF2B5EF4-FFF2-40B4-BE49-F238E27FC236}">
+                <a16:creationId xmlns:a16="http://schemas.microsoft.com/office/drawing/2014/main" id="{2C3D12E6-DBF6-48A7-A442-7459A42721C0}"/>
+              </a:ext>
+            </a:extLst>
+          </p:cNvPr>
+          <p:cNvSpPr>
+            <a:spLocks noGrp="1"/>
+          </p:cNvSpPr>
+          <p:nvPr>
+            <p:ph idx="1"/>
+          </p:nvPr>
+        </p:nvSpPr>
+        <p:spPr/>
+        <p:txBody>
+          <a:bodyPr/>
+          <a:lstStyle/>
+          <a:p>
+            <a:r>
+              <a:rPr lang="de-CH" dirty="0"/>
+              <a:t>Einstieg in JavaFX</a:t>
+            </a:r>
+          </a:p>
+          <a:p>
+            <a:r>
+              <a:rPr lang="de-CH" dirty="0"/>
+              <a:t>Verbindung zu Datenbanken</a:t>
+            </a:r>
+          </a:p>
+          <a:p>
+            <a:r>
+              <a:rPr lang="de-CH" dirty="0"/>
+              <a:t>«Responsive» Design</a:t>
+            </a:r>
+          </a:p>
+          <a:p>
+            <a:endParaRPr lang="de-CH" dirty="0"/>
+          </a:p>
+        </p:txBody>
+      </p:sp>
+      <p:pic>
+        <p:nvPicPr>
+          <p:cNvPr id="4" name="Grafik 3">
+            <a:extLst>
+              <a:ext uri="{FF2B5EF4-FFF2-40B4-BE49-F238E27FC236}">
+                <a16:creationId xmlns:a16="http://schemas.microsoft.com/office/drawing/2014/main" id="{CDA9CF4F-6136-4DB4-9769-8652B8C450B9}"/>
+              </a:ext>
+            </a:extLst>
+          </p:cNvPr>
+          <p:cNvPicPr>
+            <a:picLocks noChangeAspect="1"/>
+          </p:cNvPicPr>
+          <p:nvPr/>
+        </p:nvPicPr>
+        <p:blipFill>
+          <a:blip r:embed="rId2">
+            <a:extLst>
+              <a:ext uri="{28A0092B-C50C-407E-A947-70E740481C1C}">
+                <a14:useLocalDpi xmlns:a14="http://schemas.microsoft.com/office/drawing/2010/main" val="0"/>
+              </a:ext>
+            </a:extLst>
+          </a:blip>
+          <a:stretch>
+            <a:fillRect/>
+          </a:stretch>
+        </p:blipFill>
+        <p:spPr>
+          <a:xfrm>
+            <a:off x="10083959" y="681037"/>
+            <a:ext cx="1269841" cy="1269841"/>
+          </a:xfrm>
+          <a:prstGeom prst="rect">
+            <a:avLst/>
+          </a:prstGeom>
+        </p:spPr>
+      </p:pic>
+    </p:spTree>
+    <p:extLst>
+      <p:ext uri="{BB962C8B-B14F-4D97-AF65-F5344CB8AC3E}">
+        <p14:creationId xmlns:p14="http://schemas.microsoft.com/office/powerpoint/2010/main" val="847053354"/>
+      </p:ext>
+    </p:extLst>
+  </p:cSld>
+  <p:clrMapOvr>
+    <a:masterClrMapping/>
+  </p:clrMapOvr>
+  <p:timing>
+    <p:tnLst>
+      <p:par>
+        <p:cTn id="1" dur="indefinite" restart="never" nodeType="tmRoot">
+          <p:childTnLst>
+            <p:seq concurrent="1" nextAc="seek">
+              <p:cTn id="2" dur="indefinite" nodeType="mainSeq">
+                <p:childTnLst>
+                  <p:par>
+                    <p:cTn id="3" fill="hold">
+                      <p:stCondLst>
+                        <p:cond delay="indefinite"/>
+                      </p:stCondLst>
+                      <p:childTnLst>
+                        <p:par>
+                          <p:cTn id="4" fill="hold">
+                            <p:stCondLst>
+                              <p:cond delay="0"/>
+                            </p:stCondLst>
+                            <p:childTnLst>
+                              <p:par>
+                                <p:cTn id="5" presetID="1" presetClass="entr" presetSubtype="0" fill="hold" grpId="0" nodeType="clickEffect">
+                                  <p:stCondLst>
+                                    <p:cond delay="0"/>
+                                  </p:stCondLst>
+                                  <p:childTnLst>
+                                    <p:set>
+                                      <p:cBhvr>
+                                        <p:cTn id="6" dur="1" fill="hold">
+                                          <p:stCondLst>
+                                            <p:cond delay="0"/>
+                                          </p:stCondLst>
+                                        </p:cTn>
+                                        <p:tgtEl>
+                                          <p:spTgt spid="3">
+                                            <p:txEl>
+                                              <p:pRg st="0" end="0"/>
+                                            </p:txEl>
+                                          </p:spTgt>
+                                        </p:tgtEl>
+                                        <p:attrNameLst>
+                                          <p:attrName>style.visibility</p:attrName>
+                                        </p:attrNameLst>
+                                      </p:cBhvr>
+                                      <p:to>
+                                        <p:strVal val="visible"/>
+                                      </p:to>
+                                    </p:set>
+                                  </p:childTnLst>
+                                </p:cTn>
+                              </p:par>
+                            </p:childTnLst>
+                          </p:cTn>
+                        </p:par>
+                      </p:childTnLst>
+                    </p:cTn>
+                  </p:par>
+                  <p:par>
+                    <p:cTn id="7" fill="hold">
+                      <p:stCondLst>
+                        <p:cond delay="indefinite"/>
+                      </p:stCondLst>
+                      <p:childTnLst>
+                        <p:par>
+                          <p:cTn id="8" fill="hold">
+                            <p:stCondLst>
+                              <p:cond delay="0"/>
+                            </p:stCondLst>
+                            <p:childTnLst>
+                              <p:par>
+                                <p:cTn id="9" presetID="1" presetClass="entr" presetSubtype="0" fill="hold" grpId="0" nodeType="clickEffect">
+                                  <p:stCondLst>
+                                    <p:cond delay="0"/>
+                                  </p:stCondLst>
+                                  <p:childTnLst>
+                                    <p:set>
+                                      <p:cBhvr>
+                                        <p:cTn id="10" dur="1" fill="hold">
+                                          <p:stCondLst>
+                                            <p:cond delay="0"/>
+                                          </p:stCondLst>
+                                        </p:cTn>
+                                        <p:tgtEl>
+                                          <p:spTgt spid="3">
+                                            <p:txEl>
+                                              <p:pRg st="1" end="1"/>
+                                            </p:txEl>
+                                          </p:spTgt>
+                                        </p:tgtEl>
+                                        <p:attrNameLst>
+                                          <p:attrName>style.visibility</p:attrName>
+                                        </p:attrNameLst>
+                                      </p:cBhvr>
+                                      <p:to>
+                                        <p:strVal val="visible"/>
+                                      </p:to>
+                                    </p:set>
+                                  </p:childTnLst>
+                                </p:cTn>
+                              </p:par>
+                            </p:childTnLst>
+                          </p:cTn>
+                        </p:par>
+                      </p:childTnLst>
+                    </p:cTn>
+                  </p:par>
+                  <p:par>
+                    <p:cTn id="11" fill="hold">
+                      <p:stCondLst>
+                        <p:cond delay="indefinite"/>
+                      </p:stCondLst>
+                      <p:childTnLst>
+                        <p:par>
+                          <p:cTn id="12" fill="hold">
+                            <p:stCondLst>
+                              <p:cond delay="0"/>
+                            </p:stCondLst>
+                            <p:childTnLst>
+                              <p:par>
+                                <p:cTn id="13" presetID="1" presetClass="entr" presetSubtype="0" fill="hold" grpId="0" nodeType="clickEffect">
+                                  <p:stCondLst>
+                                    <p:cond delay="0"/>
+                                  </p:stCondLst>
+                                  <p:childTnLst>
+                                    <p:set>
+                                      <p:cBhvr>
+                                        <p:cTn id="14" dur="1" fill="hold">
+                                          <p:stCondLst>
+                                            <p:cond delay="0"/>
+                                          </p:stCondLst>
+                                        </p:cTn>
+                                        <p:tgtEl>
+                                          <p:spTgt spid="3">
+                                            <p:txEl>
+                                              <p:pRg st="2" end="2"/>
+                                            </p:txEl>
+                                          </p:spTgt>
+                                        </p:tgtEl>
+                                        <p:attrNameLst>
+                                          <p:attrName>style.visibility</p:attrName>
+                                        </p:attrNameLst>
+                                      </p:cBhvr>
+                                      <p:to>
+                                        <p:strVal val="visible"/>
+                                      </p:to>
+                                    </p:set>
+                                  </p:childTnLst>
+                                </p:cTn>
+                              </p:par>
+                            </p:childTnLst>
+                          </p:cTn>
+                        </p:par>
+                      </p:childTnLst>
+                    </p:cTn>
+                  </p:par>
+                </p:childTnLst>
+              </p:cTn>
+              <p:prevCondLst>
+                <p:cond evt="onPrev" delay="0">
+                  <p:tgtEl>
+                    <p:sldTgt/>
+                  </p:tgtEl>
+                </p:cond>
+              </p:prevCondLst>
+              <p:nextCondLst>
+                <p:cond evt="onNext" delay="0">
+                  <p:tgtEl>
+                    <p:sldTgt/>
+                  </p:tgtEl>
+                </p:cond>
+              </p:nextCondLst>
+            </p:seq>
+          </p:childTnLst>
+        </p:cTn>
+      </p:par>
+    </p:tnLst>
+    <p:bldLst>
+      <p:bldP spid="3" grpId="0" build="p"/>
+    </p:bldLst>
+  </p:timing>
+</p:sld>
+</file>
+
+<file path=ppt/slides/slide6.xml><?xml version="1.0" encoding="utf-8"?>
+<p:sld xmlns:a="http://schemas.openxmlformats.org/drawingml/2006/main" xmlns:r="http://schemas.openxmlformats.org/officeDocument/2006/relationships" xmlns:p="http://schemas.openxmlformats.org/presentationml/2006/main">
+  <p:cSld>
+    <p:spTree>
+      <p:nvGrpSpPr>
+        <p:cNvPr id="1" name=""/>
+        <p:cNvGrpSpPr/>
+        <p:nvPr/>
+      </p:nvGrpSpPr>
+      <p:grpSpPr>
+        <a:xfrm>
+          <a:off x="0" y="0"/>
+          <a:ext cx="0" cy="0"/>
+          <a:chOff x="0" y="0"/>
+          <a:chExt cx="0" cy="0"/>
+        </a:xfrm>
+      </p:grpSpPr>
+      <p:sp>
+        <p:nvSpPr>
+          <p:cNvPr id="2" name="Titel 1">
+            <a:extLst>
+              <a:ext uri="{FF2B5EF4-FFF2-40B4-BE49-F238E27FC236}">
+                <a16:creationId xmlns:a16="http://schemas.microsoft.com/office/drawing/2014/main" id="{19DF62CE-A56D-4B49-AFB2-749D5D45AD20}"/>
+              </a:ext>
+            </a:extLst>
+          </p:cNvPr>
+          <p:cNvSpPr>
+            <a:spLocks noGrp="1"/>
+          </p:cNvSpPr>
+          <p:nvPr>
+            <p:ph type="title"/>
+          </p:nvPr>
+        </p:nvSpPr>
+        <p:spPr/>
+        <p:txBody>
+          <a:bodyPr/>
+          <a:lstStyle/>
+          <a:p>
+            <a:r>
+              <a:rPr lang="de-CH" dirty="0"/>
+              <a:t>Erfolge</a:t>
+            </a:r>
+          </a:p>
+        </p:txBody>
+      </p:sp>
+      <p:sp>
+        <p:nvSpPr>
+          <p:cNvPr id="6" name="Inhaltsplatzhalter 5">
+            <a:extLst>
+              <a:ext uri="{FF2B5EF4-FFF2-40B4-BE49-F238E27FC236}">
+                <a16:creationId xmlns:a16="http://schemas.microsoft.com/office/drawing/2014/main" id="{AF1B24E4-6BEB-45E4-AE34-0676672EDD14}"/>
+              </a:ext>
+            </a:extLst>
+          </p:cNvPr>
+          <p:cNvSpPr>
+            <a:spLocks noGrp="1"/>
+          </p:cNvSpPr>
+          <p:nvPr>
+            <p:ph idx="1"/>
+          </p:nvPr>
+        </p:nvSpPr>
+        <p:spPr>
+          <a:xfrm>
+            <a:off x="838200" y="1825625"/>
+            <a:ext cx="10515600" cy="4351338"/>
+          </a:xfrm>
+        </p:spPr>
+        <p:txBody>
+          <a:bodyPr/>
+          <a:lstStyle/>
+          <a:p>
+            <a:r>
+              <a:rPr lang="de-CH" dirty="0"/>
+              <a:t>Speicherung des Spielstands</a:t>
+            </a:r>
+          </a:p>
+          <a:p>
+            <a:r>
+              <a:rPr lang="de-CH" dirty="0"/>
+              <a:t>Nutzung der Konsole </a:t>
+            </a:r>
+          </a:p>
+          <a:p>
+            <a:r>
+              <a:rPr lang="de-CH" dirty="0"/>
+              <a:t>Rangliste</a:t>
+            </a:r>
+          </a:p>
+          <a:p>
+            <a:endParaRPr lang="de-CH" dirty="0"/>
+          </a:p>
+          <a:p>
+            <a:endParaRPr lang="de-CH" dirty="0"/>
+          </a:p>
+          <a:p>
+            <a:endParaRPr lang="de-CH" dirty="0"/>
+          </a:p>
+        </p:txBody>
+      </p:sp>
+      <p:pic>
+        <p:nvPicPr>
+          <p:cNvPr id="10" name="Inhaltsplatzhalter 3">
+            <a:extLst>
+              <a:ext uri="{FF2B5EF4-FFF2-40B4-BE49-F238E27FC236}">
+                <a16:creationId xmlns:a16="http://schemas.microsoft.com/office/drawing/2014/main" id="{27551576-69F4-4206-84FD-94CFADCBB341}"/>
+              </a:ext>
+            </a:extLst>
+          </p:cNvPr>
+          <p:cNvPicPr>
+            <a:picLocks noChangeAspect="1"/>
+          </p:cNvPicPr>
+          <p:nvPr/>
+        </p:nvPicPr>
+        <p:blipFill>
+          <a:blip r:embed="rId2"/>
+          <a:stretch>
+            <a:fillRect/>
+          </a:stretch>
+        </p:blipFill>
+        <p:spPr>
+          <a:xfrm>
+            <a:off x="6790688" y="2982682"/>
+            <a:ext cx="4563112" cy="2162477"/>
+          </a:xfrm>
+          <a:prstGeom prst="rect">
+            <a:avLst/>
+          </a:prstGeom>
+        </p:spPr>
+      </p:pic>
+      <p:pic>
+        <p:nvPicPr>
+          <p:cNvPr id="5" name="Grafik 4">
+            <a:extLst>
+              <a:ext uri="{FF2B5EF4-FFF2-40B4-BE49-F238E27FC236}">
+                <a16:creationId xmlns:a16="http://schemas.microsoft.com/office/drawing/2014/main" id="{B5F70A00-2A6E-48C2-81BA-5C612AF74A53}"/>
+              </a:ext>
+            </a:extLst>
+          </p:cNvPr>
+          <p:cNvPicPr>
+            <a:picLocks noChangeAspect="1"/>
+          </p:cNvPicPr>
+          <p:nvPr/>
+        </p:nvPicPr>
+        <p:blipFill>
+          <a:blip r:embed="rId3">
+            <a:extLst>
+              <a:ext uri="{28A0092B-C50C-407E-A947-70E740481C1C}">
+                <a14:useLocalDpi xmlns:a14="http://schemas.microsoft.com/office/drawing/2010/main" val="0"/>
+              </a:ext>
+            </a:extLst>
+          </a:blip>
+          <a:stretch>
+            <a:fillRect/>
+          </a:stretch>
+        </p:blipFill>
+        <p:spPr>
+          <a:xfrm>
+            <a:off x="10083959" y="681037"/>
+            <a:ext cx="1269841" cy="1269841"/>
+          </a:xfrm>
+          <a:prstGeom prst="rect">
+            <a:avLst/>
+          </a:prstGeom>
+        </p:spPr>
+      </p:pic>
+    </p:spTree>
+    <p:extLst>
+      <p:ext uri="{BB962C8B-B14F-4D97-AF65-F5344CB8AC3E}">
+        <p14:creationId xmlns:p14="http://schemas.microsoft.com/office/powerpoint/2010/main" val="728325443"/>
+      </p:ext>
+    </p:extLst>
+  </p:cSld>
+  <p:clrMapOvr>
+    <a:masterClrMapping/>
+  </p:clrMapOvr>
 </p:sld>
 </file>
 
@@ -4174,10 +4877,52 @@
             </a:r>
           </a:p>
           <a:p>
+            <a:r>
+              <a:rPr lang="de-CH" dirty="0"/>
+              <a:t>Datenbanken in Java</a:t>
+            </a:r>
+          </a:p>
+          <a:p>
             <a:endParaRPr lang="de-CH" dirty="0"/>
           </a:p>
         </p:txBody>
       </p:sp>
+      <p:pic>
+        <p:nvPicPr>
+          <p:cNvPr id="4" name="Grafik 3">
+            <a:extLst>
+              <a:ext uri="{FF2B5EF4-FFF2-40B4-BE49-F238E27FC236}">
+                <a16:creationId xmlns:a16="http://schemas.microsoft.com/office/drawing/2014/main" id="{79436FB3-A45B-4AD9-8F2F-09849EDD3AE3}"/>
+              </a:ext>
+            </a:extLst>
+          </p:cNvPr>
+          <p:cNvPicPr>
+            <a:picLocks noChangeAspect="1"/>
+          </p:cNvPicPr>
+          <p:nvPr/>
+        </p:nvPicPr>
+        <p:blipFill>
+          <a:blip r:embed="rId2">
+            <a:extLst>
+              <a:ext uri="{28A0092B-C50C-407E-A947-70E740481C1C}">
+                <a14:useLocalDpi xmlns:a14="http://schemas.microsoft.com/office/drawing/2010/main" val="0"/>
+              </a:ext>
+            </a:extLst>
+          </a:blip>
+          <a:stretch>
+            <a:fillRect/>
+          </a:stretch>
+        </p:blipFill>
+        <p:spPr>
+          <a:xfrm>
+            <a:off x="10083959" y="681037"/>
+            <a:ext cx="1269841" cy="1269841"/>
+          </a:xfrm>
+          <a:prstGeom prst="rect">
+            <a:avLst/>
+          </a:prstGeom>
+        </p:spPr>
+      </p:pic>
     </p:spTree>
     <p:extLst>
       <p:ext uri="{BB962C8B-B14F-4D97-AF65-F5344CB8AC3E}">
@@ -4269,6 +5014,42 @@
             <a:off x="2785228" y="1690688"/>
             <a:ext cx="6621543" cy="4886286"/>
           </a:xfrm>
+        </p:spPr>
+      </p:pic>
+      <p:pic>
+        <p:nvPicPr>
+          <p:cNvPr id="4" name="Grafik 3">
+            <a:extLst>
+              <a:ext uri="{FF2B5EF4-FFF2-40B4-BE49-F238E27FC236}">
+                <a16:creationId xmlns:a16="http://schemas.microsoft.com/office/drawing/2014/main" id="{3BC8B931-DFFB-4430-846F-CB68385FCE30}"/>
+              </a:ext>
+            </a:extLst>
+          </p:cNvPr>
+          <p:cNvPicPr>
+            <a:picLocks noChangeAspect="1"/>
+          </p:cNvPicPr>
+          <p:nvPr/>
+        </p:nvPicPr>
+        <p:blipFill>
+          <a:blip r:embed="rId3">
+            <a:extLst>
+              <a:ext uri="{28A0092B-C50C-407E-A947-70E740481C1C}">
+                <a14:useLocalDpi xmlns:a14="http://schemas.microsoft.com/office/drawing/2010/main" val="0"/>
+              </a:ext>
+            </a:extLst>
+          </a:blip>
+          <a:stretch>
+            <a:fillRect/>
+          </a:stretch>
+        </p:blipFill>
+        <p:spPr>
+          <a:xfrm>
+            <a:off x="10083959" y="681037"/>
+            <a:ext cx="1269841" cy="1269841"/>
+          </a:xfrm>
+          <a:prstGeom prst="rect">
+            <a:avLst/>
+          </a:prstGeom>
         </p:spPr>
       </p:pic>
     </p:spTree>
@@ -4331,19 +5112,17 @@
       </p:sp>
       <p:pic>
         <p:nvPicPr>
-          <p:cNvPr id="5" name="Inhaltsplatzhalter 4">
-            <a:extLst>
-              <a:ext uri="{FF2B5EF4-FFF2-40B4-BE49-F238E27FC236}">
-                <a16:creationId xmlns:a16="http://schemas.microsoft.com/office/drawing/2014/main" id="{B0DF9E7A-5690-424A-A08D-408CEF8B3C66}"/>
+          <p:cNvPr id="4" name="Grafik 3">
+            <a:extLst>
+              <a:ext uri="{FF2B5EF4-FFF2-40B4-BE49-F238E27FC236}">
+                <a16:creationId xmlns:a16="http://schemas.microsoft.com/office/drawing/2014/main" id="{66B54ED7-6EF3-4D9C-AD12-D6CDDE142663}"/>
               </a:ext>
             </a:extLst>
           </p:cNvPr>
           <p:cNvPicPr>
-            <a:picLocks noGrp="1" noChangeAspect="1"/>
+            <a:picLocks noChangeAspect="1"/>
           </p:cNvPicPr>
-          <p:nvPr>
-            <p:ph idx="1"/>
-          </p:nvPr>
+          <p:nvPr/>
         </p:nvPicPr>
         <p:blipFill>
           <a:blip r:embed="rId2">
@@ -4359,8 +5138,46 @@
         </p:blipFill>
         <p:spPr>
           <a:xfrm>
-            <a:off x="3062484" y="1635041"/>
-            <a:ext cx="6067032" cy="3587917"/>
+            <a:off x="10083959" y="681037"/>
+            <a:ext cx="1269841" cy="1269841"/>
+          </a:xfrm>
+          <a:prstGeom prst="rect">
+            <a:avLst/>
+          </a:prstGeom>
+        </p:spPr>
+      </p:pic>
+      <p:pic>
+        <p:nvPicPr>
+          <p:cNvPr id="8" name="Inhaltsplatzhalter 7">
+            <a:extLst>
+              <a:ext uri="{FF2B5EF4-FFF2-40B4-BE49-F238E27FC236}">
+                <a16:creationId xmlns:a16="http://schemas.microsoft.com/office/drawing/2014/main" id="{419DFDD2-E638-4154-B4AB-BBF0344A06DA}"/>
+              </a:ext>
+            </a:extLst>
+          </p:cNvPr>
+          <p:cNvPicPr>
+            <a:picLocks noGrp="1" noChangeAspect="1"/>
+          </p:cNvPicPr>
+          <p:nvPr>
+            <p:ph idx="1"/>
+          </p:nvPr>
+        </p:nvPicPr>
+        <p:blipFill>
+          <a:blip r:embed="rId3">
+            <a:extLst>
+              <a:ext uri="{28A0092B-C50C-407E-A947-70E740481C1C}">
+                <a14:useLocalDpi xmlns:a14="http://schemas.microsoft.com/office/drawing/2010/main" val="0"/>
+              </a:ext>
+            </a:extLst>
+          </a:blip>
+          <a:stretch>
+            <a:fillRect/>
+          </a:stretch>
+        </p:blipFill>
+        <p:spPr>
+          <a:xfrm>
+            <a:off x="4031230" y="2538351"/>
+            <a:ext cx="4129540" cy="2713272"/>
           </a:xfrm>
         </p:spPr>
       </p:pic>

--- a/doc/CookieClicker-Präsentation.pptx
+++ b/doc/CookieClicker-Präsentation.pptx
@@ -269,7 +269,7 @@
           <a:p>
             <a:fld id="{490FBC4A-AF73-43F5-8487-5AC3998BF23F}" type="datetimeFigureOut">
               <a:rPr lang="de-CH" smtClean="0"/>
-              <a:t>11.01.2019</a:t>
+              <a:t>16.01.2019</a:t>
             </a:fld>
             <a:endParaRPr lang="de-CH"/>
           </a:p>
@@ -469,7 +469,7 @@
           <a:p>
             <a:fld id="{490FBC4A-AF73-43F5-8487-5AC3998BF23F}" type="datetimeFigureOut">
               <a:rPr lang="de-CH" smtClean="0"/>
-              <a:t>11.01.2019</a:t>
+              <a:t>16.01.2019</a:t>
             </a:fld>
             <a:endParaRPr lang="de-CH"/>
           </a:p>
@@ -679,7 +679,7 @@
           <a:p>
             <a:fld id="{490FBC4A-AF73-43F5-8487-5AC3998BF23F}" type="datetimeFigureOut">
               <a:rPr lang="de-CH" smtClean="0"/>
-              <a:t>11.01.2019</a:t>
+              <a:t>16.01.2019</a:t>
             </a:fld>
             <a:endParaRPr lang="de-CH"/>
           </a:p>
@@ -879,7 +879,7 @@
           <a:p>
             <a:fld id="{490FBC4A-AF73-43F5-8487-5AC3998BF23F}" type="datetimeFigureOut">
               <a:rPr lang="de-CH" smtClean="0"/>
-              <a:t>11.01.2019</a:t>
+              <a:t>16.01.2019</a:t>
             </a:fld>
             <a:endParaRPr lang="de-CH"/>
           </a:p>
@@ -1155,7 +1155,7 @@
           <a:p>
             <a:fld id="{490FBC4A-AF73-43F5-8487-5AC3998BF23F}" type="datetimeFigureOut">
               <a:rPr lang="de-CH" smtClean="0"/>
-              <a:t>11.01.2019</a:t>
+              <a:t>16.01.2019</a:t>
             </a:fld>
             <a:endParaRPr lang="de-CH"/>
           </a:p>
@@ -1423,7 +1423,7 @@
           <a:p>
             <a:fld id="{490FBC4A-AF73-43F5-8487-5AC3998BF23F}" type="datetimeFigureOut">
               <a:rPr lang="de-CH" smtClean="0"/>
-              <a:t>11.01.2019</a:t>
+              <a:t>16.01.2019</a:t>
             </a:fld>
             <a:endParaRPr lang="de-CH"/>
           </a:p>
@@ -1838,7 +1838,7 @@
           <a:p>
             <a:fld id="{490FBC4A-AF73-43F5-8487-5AC3998BF23F}" type="datetimeFigureOut">
               <a:rPr lang="de-CH" smtClean="0"/>
-              <a:t>11.01.2019</a:t>
+              <a:t>16.01.2019</a:t>
             </a:fld>
             <a:endParaRPr lang="de-CH"/>
           </a:p>
@@ -1980,7 +1980,7 @@
           <a:p>
             <a:fld id="{490FBC4A-AF73-43F5-8487-5AC3998BF23F}" type="datetimeFigureOut">
               <a:rPr lang="de-CH" smtClean="0"/>
-              <a:t>11.01.2019</a:t>
+              <a:t>16.01.2019</a:t>
             </a:fld>
             <a:endParaRPr lang="de-CH"/>
           </a:p>
@@ -2093,7 +2093,7 @@
           <a:p>
             <a:fld id="{490FBC4A-AF73-43F5-8487-5AC3998BF23F}" type="datetimeFigureOut">
               <a:rPr lang="de-CH" smtClean="0"/>
-              <a:t>11.01.2019</a:t>
+              <a:t>16.01.2019</a:t>
             </a:fld>
             <a:endParaRPr lang="de-CH"/>
           </a:p>
@@ -2406,7 +2406,7 @@
           <a:p>
             <a:fld id="{490FBC4A-AF73-43F5-8487-5AC3998BF23F}" type="datetimeFigureOut">
               <a:rPr lang="de-CH" smtClean="0"/>
-              <a:t>11.01.2019</a:t>
+              <a:t>16.01.2019</a:t>
             </a:fld>
             <a:endParaRPr lang="de-CH"/>
           </a:p>
@@ -2695,7 +2695,7 @@
           <a:p>
             <a:fld id="{490FBC4A-AF73-43F5-8487-5AC3998BF23F}" type="datetimeFigureOut">
               <a:rPr lang="de-CH" smtClean="0"/>
-              <a:t>11.01.2019</a:t>
+              <a:t>16.01.2019</a:t>
             </a:fld>
             <a:endParaRPr lang="de-CH"/>
           </a:p>
@@ -2938,7 +2938,7 @@
           <a:p>
             <a:fld id="{490FBC4A-AF73-43F5-8487-5AC3998BF23F}" type="datetimeFigureOut">
               <a:rPr lang="de-CH" smtClean="0"/>
-              <a:t>11.01.2019</a:t>
+              <a:t>16.01.2019</a:t>
             </a:fld>
             <a:endParaRPr lang="de-CH"/>
           </a:p>
@@ -3373,8 +3373,8 @@
         </p:nvSpPr>
         <p:spPr>
           <a:xfrm>
-            <a:off x="1524000" y="1122362"/>
-            <a:ext cx="9144000" cy="2831799"/>
+            <a:off x="1524000" y="2183906"/>
+            <a:ext cx="9144000" cy="2166151"/>
           </a:xfrm>
         </p:spPr>
         <p:txBody>
@@ -3417,8 +3417,8 @@
         </p:nvSpPr>
         <p:spPr>
           <a:xfrm>
-            <a:off x="1524000" y="3954161"/>
-            <a:ext cx="9144000" cy="1303638"/>
+            <a:off x="1524000" y="4243525"/>
+            <a:ext cx="9144000" cy="1014273"/>
           </a:xfrm>
         </p:spPr>
         <p:txBody>
@@ -3462,7 +3462,7 @@
         </p:blipFill>
         <p:spPr>
           <a:xfrm>
-            <a:off x="4975377" y="199448"/>
+            <a:off x="4975377" y="545677"/>
             <a:ext cx="2241245" cy="2241245"/>
           </a:xfrm>
           <a:prstGeom prst="rect">
@@ -3936,6 +3936,15 @@
             </a:r>
           </a:p>
           <a:p>
+            <a:r>
+              <a:rPr lang="de-CH" dirty="0"/>
+              <a:t>Globale Rangliste</a:t>
+            </a:r>
+          </a:p>
+          <a:p>
+            <a:endParaRPr lang="de-CH" dirty="0"/>
+          </a:p>
+          <a:p>
             <a:endParaRPr lang="de-CH" dirty="0"/>
           </a:p>
           <a:p>
@@ -4144,6 +4153,55 @@
                       </p:childTnLst>
                     </p:cTn>
                   </p:par>
+                  <p:par>
+                    <p:cTn id="15" fill="hold">
+                      <p:stCondLst>
+                        <p:cond delay="indefinite"/>
+                      </p:stCondLst>
+                      <p:childTnLst>
+                        <p:par>
+                          <p:cTn id="16" fill="hold">
+                            <p:stCondLst>
+                              <p:cond delay="0"/>
+                            </p:stCondLst>
+                            <p:childTnLst>
+                              <p:par>
+                                <p:cTn id="17" presetID="1" presetClass="entr" presetSubtype="0" fill="hold" grpId="0" nodeType="clickEffect">
+                                  <p:stCondLst>
+                                    <p:cond delay="0"/>
+                                  </p:stCondLst>
+                                  <p:childTnLst>
+                                    <p:set>
+                                      <p:cBhvr>
+                                        <p:cTn id="18" dur="1" fill="hold">
+                                          <p:stCondLst>
+                                            <p:cond delay="0"/>
+                                          </p:stCondLst>
+                                        </p:cTn>
+                                        <p:tgtEl>
+                                          <p:spTgt spid="3">
+                                            <p:txEl>
+                                              <p:pRg st="3" end="3"/>
+                                            </p:txEl>
+                                          </p:spTgt>
+                                        </p:tgtEl>
+                                        <p:attrNameLst>
+                                          <p:attrName>style.visibility</p:attrName>
+                                        </p:attrNameLst>
+                                      </p:cBhvr>
+                                      <p:to>
+                                        <p:strVal val="visible"/>
+                                      </p:to>
+                                    </p:set>
+                                  </p:childTnLst>
+                                </p:cTn>
+                              </p:par>
+                            </p:childTnLst>
+                          </p:cTn>
+                        </p:par>
+                      </p:childTnLst>
+                    </p:cTn>
+                  </p:par>
                 </p:childTnLst>
               </p:cTn>
               <p:prevCondLst>
@@ -4233,16 +4291,15 @@
             <p:ph idx="1"/>
           </p:nvPr>
         </p:nvPicPr>
-        <p:blipFill>
+        <p:blipFill rotWithShape="1">
           <a:blip r:embed="rId2"/>
-          <a:stretch>
-            <a:fillRect/>
-          </a:stretch>
+          <a:srcRect l="41809" t="17416" r="704" b="8220"/>
+          <a:stretch/>
         </p:blipFill>
         <p:spPr>
           <a:xfrm>
-            <a:off x="418143" y="1380931"/>
-            <a:ext cx="11355714" cy="5477069"/>
+            <a:off x="1916731" y="1511392"/>
+            <a:ext cx="8358537" cy="5215030"/>
           </a:xfrm>
           <a:prstGeom prst="rect">
             <a:avLst/>
@@ -4790,6 +4847,231 @@
   <p:clrMapOvr>
     <a:masterClrMapping/>
   </p:clrMapOvr>
+  <p:timing>
+    <p:tnLst>
+      <p:par>
+        <p:cTn id="1" dur="indefinite" restart="never" nodeType="tmRoot">
+          <p:childTnLst>
+            <p:seq concurrent="1" nextAc="seek">
+              <p:cTn id="2" dur="indefinite" nodeType="mainSeq">
+                <p:childTnLst>
+                  <p:par>
+                    <p:cTn id="3" fill="hold">
+                      <p:stCondLst>
+                        <p:cond delay="indefinite"/>
+                      </p:stCondLst>
+                      <p:childTnLst>
+                        <p:par>
+                          <p:cTn id="4" fill="hold">
+                            <p:stCondLst>
+                              <p:cond delay="0"/>
+                            </p:stCondLst>
+                            <p:childTnLst>
+                              <p:par>
+                                <p:cTn id="5" presetID="1" presetClass="entr" presetSubtype="0" fill="hold" grpId="0" nodeType="clickEffect">
+                                  <p:stCondLst>
+                                    <p:cond delay="0"/>
+                                  </p:stCondLst>
+                                  <p:childTnLst>
+                                    <p:set>
+                                      <p:cBhvr>
+                                        <p:cTn id="6" dur="1" fill="hold">
+                                          <p:stCondLst>
+                                            <p:cond delay="0"/>
+                                          </p:stCondLst>
+                                        </p:cTn>
+                                        <p:tgtEl>
+                                          <p:spTgt spid="6">
+                                            <p:txEl>
+                                              <p:pRg st="0" end="0"/>
+                                            </p:txEl>
+                                          </p:spTgt>
+                                        </p:tgtEl>
+                                        <p:attrNameLst>
+                                          <p:attrName>style.visibility</p:attrName>
+                                        </p:attrNameLst>
+                                      </p:cBhvr>
+                                      <p:to>
+                                        <p:strVal val="visible"/>
+                                      </p:to>
+                                    </p:set>
+                                  </p:childTnLst>
+                                </p:cTn>
+                              </p:par>
+                            </p:childTnLst>
+                          </p:cTn>
+                        </p:par>
+                      </p:childTnLst>
+                    </p:cTn>
+                  </p:par>
+                  <p:par>
+                    <p:cTn id="7" fill="hold">
+                      <p:stCondLst>
+                        <p:cond delay="indefinite"/>
+                      </p:stCondLst>
+                      <p:childTnLst>
+                        <p:par>
+                          <p:cTn id="8" fill="hold">
+                            <p:stCondLst>
+                              <p:cond delay="0"/>
+                            </p:stCondLst>
+                            <p:childTnLst>
+                              <p:par>
+                                <p:cTn id="9" presetID="1" presetClass="entr" presetSubtype="0" fill="hold" grpId="0" nodeType="clickEffect">
+                                  <p:stCondLst>
+                                    <p:cond delay="0"/>
+                                  </p:stCondLst>
+                                  <p:childTnLst>
+                                    <p:set>
+                                      <p:cBhvr>
+                                        <p:cTn id="10" dur="1" fill="hold">
+                                          <p:stCondLst>
+                                            <p:cond delay="0"/>
+                                          </p:stCondLst>
+                                        </p:cTn>
+                                        <p:tgtEl>
+                                          <p:spTgt spid="6">
+                                            <p:txEl>
+                                              <p:pRg st="1" end="1"/>
+                                            </p:txEl>
+                                          </p:spTgt>
+                                        </p:tgtEl>
+                                        <p:attrNameLst>
+                                          <p:attrName>style.visibility</p:attrName>
+                                        </p:attrNameLst>
+                                      </p:cBhvr>
+                                      <p:to>
+                                        <p:strVal val="visible"/>
+                                      </p:to>
+                                    </p:set>
+                                  </p:childTnLst>
+                                </p:cTn>
+                              </p:par>
+                            </p:childTnLst>
+                          </p:cTn>
+                        </p:par>
+                      </p:childTnLst>
+                    </p:cTn>
+                  </p:par>
+                  <p:par>
+                    <p:cTn id="11" fill="hold">
+                      <p:stCondLst>
+                        <p:cond delay="indefinite"/>
+                      </p:stCondLst>
+                      <p:childTnLst>
+                        <p:par>
+                          <p:cTn id="12" fill="hold">
+                            <p:stCondLst>
+                              <p:cond delay="0"/>
+                            </p:stCondLst>
+                            <p:childTnLst>
+                              <p:par>
+                                <p:cTn id="13" presetID="1" presetClass="entr" presetSubtype="0" fill="hold" nodeType="clickEffect">
+                                  <p:stCondLst>
+                                    <p:cond delay="0"/>
+                                  </p:stCondLst>
+                                  <p:childTnLst>
+                                    <p:set>
+                                      <p:cBhvr>
+                                        <p:cTn id="14" dur="1" fill="hold">
+                                          <p:stCondLst>
+                                            <p:cond delay="0"/>
+                                          </p:stCondLst>
+                                        </p:cTn>
+                                        <p:tgtEl>
+                                          <p:spTgt spid="10"/>
+                                        </p:tgtEl>
+                                        <p:attrNameLst>
+                                          <p:attrName>style.visibility</p:attrName>
+                                        </p:attrNameLst>
+                                      </p:cBhvr>
+                                      <p:to>
+                                        <p:strVal val="visible"/>
+                                      </p:to>
+                                    </p:set>
+                                  </p:childTnLst>
+                                </p:cTn>
+                              </p:par>
+                            </p:childTnLst>
+                          </p:cTn>
+                        </p:par>
+                      </p:childTnLst>
+                    </p:cTn>
+                  </p:par>
+                  <p:par>
+                    <p:cTn id="15" fill="hold">
+                      <p:stCondLst>
+                        <p:cond delay="indefinite"/>
+                      </p:stCondLst>
+                      <p:childTnLst>
+                        <p:par>
+                          <p:cTn id="16" fill="hold">
+                            <p:stCondLst>
+                              <p:cond delay="0"/>
+                            </p:stCondLst>
+                            <p:childTnLst>
+                              <p:par>
+                                <p:cTn id="17" presetID="1" presetClass="entr" presetSubtype="0" fill="hold" grpId="0" nodeType="clickEffect">
+                                  <p:stCondLst>
+                                    <p:cond delay="0"/>
+                                  </p:stCondLst>
+                                  <p:childTnLst>
+                                    <p:set>
+                                      <p:cBhvr>
+                                        <p:cTn id="18" dur="1" fill="hold">
+                                          <p:stCondLst>
+                                            <p:cond delay="0"/>
+                                          </p:stCondLst>
+                                        </p:cTn>
+                                        <p:tgtEl>
+                                          <p:spTgt spid="6">
+                                            <p:txEl>
+                                              <p:pRg st="2" end="2"/>
+                                            </p:txEl>
+                                          </p:spTgt>
+                                        </p:tgtEl>
+                                        <p:attrNameLst>
+                                          <p:attrName>style.visibility</p:attrName>
+                                        </p:attrNameLst>
+                                      </p:cBhvr>
+                                      <p:to>
+                                        <p:strVal val="visible"/>
+                                      </p:to>
+                                    </p:set>
+                                  </p:childTnLst>
+                                </p:cTn>
+                              </p:par>
+                            </p:childTnLst>
+                          </p:cTn>
+                        </p:par>
+                      </p:childTnLst>
+                    </p:cTn>
+                  </p:par>
+                </p:childTnLst>
+              </p:cTn>
+              <p:prevCondLst>
+                <p:cond evt="onPrev" delay="0">
+                  <p:tgtEl>
+                    <p:sldTgt/>
+                  </p:tgtEl>
+                </p:cond>
+              </p:prevCondLst>
+              <p:nextCondLst>
+                <p:cond evt="onNext" delay="0">
+                  <p:tgtEl>
+                    <p:sldTgt/>
+                  </p:tgtEl>
+                </p:cond>
+              </p:nextCondLst>
+            </p:seq>
+          </p:childTnLst>
+        </p:cTn>
+      </p:par>
+    </p:tnLst>
+    <p:bldLst>
+      <p:bldP spid="6" grpId="0" uiExpand="1" build="p"/>
+    </p:bldLst>
+  </p:timing>
 </p:sld>
 </file>
 
@@ -4933,6 +5215,235 @@
   <p:clrMapOvr>
     <a:masterClrMapping/>
   </p:clrMapOvr>
+  <p:timing>
+    <p:tnLst>
+      <p:par>
+        <p:cTn id="1" dur="indefinite" restart="never" nodeType="tmRoot">
+          <p:childTnLst>
+            <p:seq concurrent="1" nextAc="seek">
+              <p:cTn id="2" dur="indefinite" nodeType="mainSeq">
+                <p:childTnLst>
+                  <p:par>
+                    <p:cTn id="3" fill="hold">
+                      <p:stCondLst>
+                        <p:cond delay="indefinite"/>
+                      </p:stCondLst>
+                      <p:childTnLst>
+                        <p:par>
+                          <p:cTn id="4" fill="hold">
+                            <p:stCondLst>
+                              <p:cond delay="0"/>
+                            </p:stCondLst>
+                            <p:childTnLst>
+                              <p:par>
+                                <p:cTn id="5" presetID="1" presetClass="entr" presetSubtype="0" fill="hold" grpId="0" nodeType="clickEffect">
+                                  <p:stCondLst>
+                                    <p:cond delay="0"/>
+                                  </p:stCondLst>
+                                  <p:childTnLst>
+                                    <p:set>
+                                      <p:cBhvr>
+                                        <p:cTn id="6" dur="1" fill="hold">
+                                          <p:stCondLst>
+                                            <p:cond delay="0"/>
+                                          </p:stCondLst>
+                                        </p:cTn>
+                                        <p:tgtEl>
+                                          <p:spTgt spid="3">
+                                            <p:txEl>
+                                              <p:pRg st="0" end="0"/>
+                                            </p:txEl>
+                                          </p:spTgt>
+                                        </p:tgtEl>
+                                        <p:attrNameLst>
+                                          <p:attrName>style.visibility</p:attrName>
+                                        </p:attrNameLst>
+                                      </p:cBhvr>
+                                      <p:to>
+                                        <p:strVal val="visible"/>
+                                      </p:to>
+                                    </p:set>
+                                  </p:childTnLst>
+                                </p:cTn>
+                              </p:par>
+                            </p:childTnLst>
+                          </p:cTn>
+                        </p:par>
+                      </p:childTnLst>
+                    </p:cTn>
+                  </p:par>
+                  <p:par>
+                    <p:cTn id="7" fill="hold">
+                      <p:stCondLst>
+                        <p:cond delay="indefinite"/>
+                      </p:stCondLst>
+                      <p:childTnLst>
+                        <p:par>
+                          <p:cTn id="8" fill="hold">
+                            <p:stCondLst>
+                              <p:cond delay="0"/>
+                            </p:stCondLst>
+                            <p:childTnLst>
+                              <p:par>
+                                <p:cTn id="9" presetID="1" presetClass="entr" presetSubtype="0" fill="hold" grpId="0" nodeType="clickEffect">
+                                  <p:stCondLst>
+                                    <p:cond delay="0"/>
+                                  </p:stCondLst>
+                                  <p:childTnLst>
+                                    <p:set>
+                                      <p:cBhvr>
+                                        <p:cTn id="10" dur="1" fill="hold">
+                                          <p:stCondLst>
+                                            <p:cond delay="0"/>
+                                          </p:stCondLst>
+                                        </p:cTn>
+                                        <p:tgtEl>
+                                          <p:spTgt spid="3">
+                                            <p:txEl>
+                                              <p:pRg st="1" end="1"/>
+                                            </p:txEl>
+                                          </p:spTgt>
+                                        </p:tgtEl>
+                                        <p:attrNameLst>
+                                          <p:attrName>style.visibility</p:attrName>
+                                        </p:attrNameLst>
+                                      </p:cBhvr>
+                                      <p:to>
+                                        <p:strVal val="visible"/>
+                                      </p:to>
+                                    </p:set>
+                                  </p:childTnLst>
+                                </p:cTn>
+                              </p:par>
+                            </p:childTnLst>
+                          </p:cTn>
+                        </p:par>
+                      </p:childTnLst>
+                    </p:cTn>
+                  </p:par>
+                  <p:par>
+                    <p:cTn id="11" fill="hold">
+                      <p:stCondLst>
+                        <p:cond delay="indefinite"/>
+                      </p:stCondLst>
+                      <p:childTnLst>
+                        <p:par>
+                          <p:cTn id="12" fill="hold">
+                            <p:stCondLst>
+                              <p:cond delay="0"/>
+                            </p:stCondLst>
+                            <p:childTnLst>
+                              <p:par>
+                                <p:cTn id="13" presetID="1" presetClass="entr" presetSubtype="0" fill="hold" grpId="0" nodeType="clickEffect">
+                                  <p:stCondLst>
+                                    <p:cond delay="0"/>
+                                  </p:stCondLst>
+                                  <p:childTnLst>
+                                    <p:set>
+                                      <p:cBhvr>
+                                        <p:cTn id="14" dur="1" fill="hold">
+                                          <p:stCondLst>
+                                            <p:cond delay="0"/>
+                                          </p:stCondLst>
+                                        </p:cTn>
+                                        <p:tgtEl>
+                                          <p:spTgt spid="3">
+                                            <p:txEl>
+                                              <p:pRg st="2" end="2"/>
+                                            </p:txEl>
+                                          </p:spTgt>
+                                        </p:tgtEl>
+                                        <p:attrNameLst>
+                                          <p:attrName>style.visibility</p:attrName>
+                                        </p:attrNameLst>
+                                      </p:cBhvr>
+                                      <p:to>
+                                        <p:strVal val="visible"/>
+                                      </p:to>
+                                    </p:set>
+                                  </p:childTnLst>
+                                </p:cTn>
+                              </p:par>
+                            </p:childTnLst>
+                          </p:cTn>
+                        </p:par>
+                      </p:childTnLst>
+                    </p:cTn>
+                  </p:par>
+                  <p:par>
+                    <p:cTn id="15" fill="hold">
+                      <p:stCondLst>
+                        <p:cond delay="indefinite"/>
+                      </p:stCondLst>
+                      <p:childTnLst>
+                        <p:par>
+                          <p:cTn id="16" fill="hold">
+                            <p:stCondLst>
+                              <p:cond delay="0"/>
+                            </p:stCondLst>
+                            <p:childTnLst>
+                              <p:par>
+                                <p:cTn id="17" presetID="1" presetClass="entr" presetSubtype="0" fill="hold" grpId="0" nodeType="clickEffect">
+                                  <p:stCondLst>
+                                    <p:cond delay="0"/>
+                                  </p:stCondLst>
+                                  <p:childTnLst>
+                                    <p:set>
+                                      <p:cBhvr>
+                                        <p:cTn id="18" dur="1" fill="hold">
+                                          <p:stCondLst>
+                                            <p:cond delay="0"/>
+                                          </p:stCondLst>
+                                        </p:cTn>
+                                        <p:tgtEl>
+                                          <p:spTgt spid="3">
+                                            <p:txEl>
+                                              <p:pRg st="3" end="3"/>
+                                            </p:txEl>
+                                          </p:spTgt>
+                                        </p:tgtEl>
+                                        <p:attrNameLst>
+                                          <p:attrName>style.visibility</p:attrName>
+                                        </p:attrNameLst>
+                                      </p:cBhvr>
+                                      <p:to>
+                                        <p:strVal val="visible"/>
+                                      </p:to>
+                                    </p:set>
+                                  </p:childTnLst>
+                                </p:cTn>
+                              </p:par>
+                            </p:childTnLst>
+                          </p:cTn>
+                        </p:par>
+                      </p:childTnLst>
+                    </p:cTn>
+                  </p:par>
+                </p:childTnLst>
+              </p:cTn>
+              <p:prevCondLst>
+                <p:cond evt="onPrev" delay="0">
+                  <p:tgtEl>
+                    <p:sldTgt/>
+                  </p:tgtEl>
+                </p:cond>
+              </p:prevCondLst>
+              <p:nextCondLst>
+                <p:cond evt="onNext" delay="0">
+                  <p:tgtEl>
+                    <p:sldTgt/>
+                  </p:tgtEl>
+                </p:cond>
+              </p:nextCondLst>
+            </p:seq>
+          </p:childTnLst>
+        </p:cTn>
+      </p:par>
+    </p:tnLst>
+    <p:bldLst>
+      <p:bldP spid="3" grpId="0" build="p"/>
+    </p:bldLst>
+  </p:timing>
 </p:sld>
 </file>
 
@@ -4984,6 +5495,7 @@
       <p:pic>
         <p:nvPicPr>
           <p:cNvPr id="5" name="Inhaltsplatzhalter 4" descr="Ein Bild, das Screenshot enthält.&#10;&#10;Mit sehr hoher Zuverlässigkeit generierte Beschreibung">
+            <a:hlinkClick r:id="rId2" action="ppaction://program"/>
             <a:extLst>
               <a:ext uri="{FF2B5EF4-FFF2-40B4-BE49-F238E27FC236}">
                 <a16:creationId xmlns:a16="http://schemas.microsoft.com/office/drawing/2014/main" id="{C555927C-0018-427E-A3D1-80AD2880128A}"/>
@@ -4998,7 +5510,7 @@
           </p:nvPr>
         </p:nvPicPr>
         <p:blipFill>
-          <a:blip r:embed="rId2">
+          <a:blip r:embed="rId3">
             <a:extLst>
               <a:ext uri="{28A0092B-C50C-407E-A947-70E740481C1C}">
                 <a14:useLocalDpi xmlns:a14="http://schemas.microsoft.com/office/drawing/2010/main" val="0"/>
@@ -5031,7 +5543,7 @@
           <p:nvPr/>
         </p:nvPicPr>
         <p:blipFill>
-          <a:blip r:embed="rId3">
+          <a:blip r:embed="rId4">
             <a:extLst>
               <a:ext uri="{28A0092B-C50C-407E-A947-70E740481C1C}">
                 <a14:useLocalDpi xmlns:a14="http://schemas.microsoft.com/office/drawing/2010/main" val="0"/>
